--- a/Module_1/presentations/module_1_presentation.pptx
+++ b/Module_1/presentations/module_1_presentation.pptx
@@ -13749,11 +13749,15 @@
               <a:t>VMWare</a:t>
             </a:r>
             <a:br>
+              <a:rPr lang="en-US" sz="3600"/>
+            </a:br>
+            <a:r>
+              <a:rPr lang="en-US" sz="3600"/>
+              <a:t>20 </a:t>
+            </a:r>
+            <a:r>
               <a:rPr lang="en-US" sz="3600" dirty="0"/>
-            </a:br>
-            <a:r>
-              <a:rPr lang="en-US" sz="3600" dirty="0"/>
-              <a:t>19 November 2018</a:t>
+              <a:t>November 2018</a:t>
             </a:r>
             <a:br>
               <a:rPr lang="en-US" sz="3600" dirty="0"/>
@@ -29470,11 +29474,30 @@
               </a:spcBef>
               <a:buSzPct val="100000"/>
             </a:pPr>
-            <a:endParaRPr lang="en-US" b="1" dirty="0">
-              <a:solidFill>
-                <a:srgbClr val="008000"/>
-              </a:solidFill>
-            </a:endParaRPr>
+            <a:r>
+              <a:rPr lang="en-US" b="1" dirty="0">
+                <a:solidFill>
+                  <a:srgbClr val="008000"/>
+                </a:solidFill>
+              </a:rPr>
+              <a:t>The course will be broken up into 5 modules. My goal is to do 2 modules a day for day one and day 2 and then for the last day- Module 5 is pretty much ALL practical. </a:t>
+            </a:r>
+          </a:p>
+          <a:p>
+            <a:pPr marL="457200" indent="-457200">
+              <a:spcBef>
+                <a:spcPts val="0"/>
+              </a:spcBef>
+              <a:buSzPct val="100000"/>
+            </a:pPr>
+            <a:r>
+              <a:rPr lang="en-US" b="1" dirty="0">
+                <a:solidFill>
+                  <a:srgbClr val="008000"/>
+                </a:solidFill>
+              </a:rPr>
+              <a:t>At the end of the course we will walk through creating a web application and how to deploy it with docker.</a:t>
+            </a:r>
           </a:p>
           <a:p>
             <a:pPr marL="457200" indent="-457200">
@@ -29555,6 +29578,53 @@
           </a:p>
         </p:txBody>
       </p:sp>
+      <p:pic>
+        <p:nvPicPr>
+          <p:cNvPr id="1026" name="Picture 2" descr="Image result for go gopher images">
+            <a:extLst>
+              <a:ext uri="{FF2B5EF4-FFF2-40B4-BE49-F238E27FC236}">
+                <a16:creationId xmlns:a16="http://schemas.microsoft.com/office/drawing/2014/main" id="{63CD5820-CF79-314F-A322-D3068DEB0070}"/>
+              </a:ext>
+            </a:extLst>
+          </p:cNvPr>
+          <p:cNvPicPr>
+            <a:picLocks noChangeAspect="1" noChangeArrowheads="1"/>
+          </p:cNvPicPr>
+          <p:nvPr/>
+        </p:nvPicPr>
+        <p:blipFill>
+          <a:blip r:embed="rId3">
+            <a:extLst>
+              <a:ext uri="{28A0092B-C50C-407E-A947-70E740481C1C}">
+                <a14:useLocalDpi xmlns:a14="http://schemas.microsoft.com/office/drawing/2010/main" val="0"/>
+              </a:ext>
+            </a:extLst>
+          </a:blip>
+          <a:srcRect/>
+          <a:stretch>
+            <a:fillRect/>
+          </a:stretch>
+        </p:blipFill>
+        <p:spPr bwMode="auto">
+          <a:xfrm>
+            <a:off x="3250480" y="4445000"/>
+            <a:ext cx="4000500" cy="2032000"/>
+          </a:xfrm>
+          <a:prstGeom prst="rect">
+            <a:avLst/>
+          </a:prstGeom>
+          <a:noFill/>
+          <a:extLst>
+            <a:ext uri="{909E8E84-426E-40DD-AFC4-6F175D3DCCD1}">
+              <a14:hiddenFill xmlns:a14="http://schemas.microsoft.com/office/drawing/2010/main">
+                <a:solidFill>
+                  <a:srgbClr val="FFFFFF"/>
+                </a:solidFill>
+              </a14:hiddenFill>
+            </a:ext>
+          </a:extLst>
+        </p:spPr>
+      </p:pic>
     </p:spTree>
     <p:extLst>
       <p:ext uri="{BB962C8B-B14F-4D97-AF65-F5344CB8AC3E}">
